--- a/Files/Tableau FAA-Project .pptx
+++ b/Files/Tableau FAA-Project .pptx
@@ -331,7 +331,7 @@
             <a:fld id="{1D8BD707-D9CF-40AE-B4C6-C98DA3205C09}" type="datetimeFigureOut">
               <a:rPr lang="en-US" smtClean="0"/>
               <a:pPr/>
-              <a:t>9/24/2023</a:t>
+              <a:t>9/26/2023</a:t>
             </a:fld>
             <a:endParaRPr lang="en-US"/>
           </a:p>
@@ -496,7 +496,7 @@
             <a:fld id="{1D8BD707-D9CF-40AE-B4C6-C98DA3205C09}" type="datetimeFigureOut">
               <a:rPr lang="en-US" smtClean="0"/>
               <a:pPr/>
-              <a:t>9/24/2023</a:t>
+              <a:t>9/26/2023</a:t>
             </a:fld>
             <a:endParaRPr lang="en-US"/>
           </a:p>
@@ -671,7 +671,7 @@
             <a:fld id="{1D8BD707-D9CF-40AE-B4C6-C98DA3205C09}" type="datetimeFigureOut">
               <a:rPr lang="en-US" smtClean="0"/>
               <a:pPr/>
-              <a:t>9/24/2023</a:t>
+              <a:t>9/26/2023</a:t>
             </a:fld>
             <a:endParaRPr lang="en-US"/>
           </a:p>
@@ -836,7 +836,7 @@
             <a:fld id="{1D8BD707-D9CF-40AE-B4C6-C98DA3205C09}" type="datetimeFigureOut">
               <a:rPr lang="en-US" smtClean="0"/>
               <a:pPr/>
-              <a:t>9/24/2023</a:t>
+              <a:t>9/26/2023</a:t>
             </a:fld>
             <a:endParaRPr lang="en-US"/>
           </a:p>
@@ -1078,7 +1078,7 @@
             <a:fld id="{1D8BD707-D9CF-40AE-B4C6-C98DA3205C09}" type="datetimeFigureOut">
               <a:rPr lang="en-US" smtClean="0"/>
               <a:pPr/>
-              <a:t>9/24/2023</a:t>
+              <a:t>9/26/2023</a:t>
             </a:fld>
             <a:endParaRPr lang="en-US"/>
           </a:p>
@@ -1360,7 +1360,7 @@
             <a:fld id="{1D8BD707-D9CF-40AE-B4C6-C98DA3205C09}" type="datetimeFigureOut">
               <a:rPr lang="en-US" smtClean="0"/>
               <a:pPr/>
-              <a:t>9/24/2023</a:t>
+              <a:t>9/26/2023</a:t>
             </a:fld>
             <a:endParaRPr lang="en-US"/>
           </a:p>
@@ -1776,7 +1776,7 @@
             <a:fld id="{1D8BD707-D9CF-40AE-B4C6-C98DA3205C09}" type="datetimeFigureOut">
               <a:rPr lang="en-US" smtClean="0"/>
               <a:pPr/>
-              <a:t>9/24/2023</a:t>
+              <a:t>9/26/2023</a:t>
             </a:fld>
             <a:endParaRPr lang="en-US"/>
           </a:p>
@@ -1890,7 +1890,7 @@
             <a:fld id="{1D8BD707-D9CF-40AE-B4C6-C98DA3205C09}" type="datetimeFigureOut">
               <a:rPr lang="en-US" smtClean="0"/>
               <a:pPr/>
-              <a:t>9/24/2023</a:t>
+              <a:t>9/26/2023</a:t>
             </a:fld>
             <a:endParaRPr lang="en-US"/>
           </a:p>
@@ -1982,7 +1982,7 @@
             <a:fld id="{1D8BD707-D9CF-40AE-B4C6-C98DA3205C09}" type="datetimeFigureOut">
               <a:rPr lang="en-US" smtClean="0"/>
               <a:pPr/>
-              <a:t>9/24/2023</a:t>
+              <a:t>9/26/2023</a:t>
             </a:fld>
             <a:endParaRPr lang="en-US"/>
           </a:p>
@@ -2254,7 +2254,7 @@
             <a:fld id="{1D8BD707-D9CF-40AE-B4C6-C98DA3205C09}" type="datetimeFigureOut">
               <a:rPr lang="en-US" smtClean="0"/>
               <a:pPr/>
-              <a:t>9/24/2023</a:t>
+              <a:t>9/26/2023</a:t>
             </a:fld>
             <a:endParaRPr lang="en-US"/>
           </a:p>
@@ -2503,7 +2503,7 @@
             <a:fld id="{1D8BD707-D9CF-40AE-B4C6-C98DA3205C09}" type="datetimeFigureOut">
               <a:rPr lang="en-US" smtClean="0"/>
               <a:pPr/>
-              <a:t>9/24/2023</a:t>
+              <a:t>9/26/2023</a:t>
             </a:fld>
             <a:endParaRPr lang="en-US"/>
           </a:p>
@@ -2711,7 +2711,7 @@
             <a:fld id="{1D8BD707-D9CF-40AE-B4C6-C98DA3205C09}" type="datetimeFigureOut">
               <a:rPr lang="en-US" smtClean="0"/>
               <a:pPr/>
-              <a:t>9/24/2023</a:t>
+              <a:t>9/26/2023</a:t>
             </a:fld>
             <a:endParaRPr lang="en-US"/>
           </a:p>
@@ -5398,7 +5398,7 @@
         </p:nvSpPr>
         <p:spPr>
           <a:xfrm>
-            <a:off x="1028700" y="1190625"/>
+            <a:off x="533400" y="1200113"/>
             <a:ext cx="6863901" cy="592368"/>
           </a:xfrm>
           <a:prstGeom prst="rect">
@@ -5417,7 +5417,7 @@
               </a:lnSpc>
             </a:pPr>
             <a:r>
-              <a:rPr lang="en-US" sz="4966">
+              <a:rPr lang="en-US" sz="4966" dirty="0">
                 <a:solidFill>
                   <a:srgbClr val="F9B80C"/>
                 </a:solidFill>
@@ -6829,8 +6829,8 @@
         </p:nvSpPr>
         <p:spPr>
           <a:xfrm>
-            <a:off x="10284049" y="3893185"/>
-            <a:ext cx="6863901" cy="1464119"/>
+            <a:off x="10284049" y="3272405"/>
+            <a:ext cx="6863901" cy="3464666"/>
           </a:xfrm>
           <a:prstGeom prst="rect">
             <a:avLst/>
@@ -6855,6 +6855,73 @@
                 <a:latin typeface="Montserrat 1"/>
               </a:rPr>
               <a:t>State Incidence: Which states experienced higher incidences of wildlife strikes?</a:t>
+            </a:r>
+          </a:p>
+          <a:p>
+            <a:pPr>
+              <a:lnSpc>
+                <a:spcPts val="3920"/>
+              </a:lnSpc>
+            </a:pPr>
+            <a:r>
+              <a:rPr lang="en-US" sz="2800" dirty="0">
+                <a:solidFill>
+                  <a:srgbClr val="FFFFFF"/>
+                </a:solidFill>
+                <a:latin typeface="Montserrat 1"/>
+              </a:rPr>
+              <a:t>1- California</a:t>
+            </a:r>
+            <a:br>
+              <a:rPr lang="en-US" sz="2800" dirty="0">
+                <a:solidFill>
+                  <a:srgbClr val="FFFFFF"/>
+                </a:solidFill>
+                <a:latin typeface="Montserrat 1"/>
+              </a:rPr>
+            </a:br>
+            <a:r>
+              <a:rPr lang="en-US" sz="2800" dirty="0">
+                <a:solidFill>
+                  <a:srgbClr val="FFFFFF"/>
+                </a:solidFill>
+                <a:latin typeface="Montserrat 1"/>
+              </a:rPr>
+              <a:t>2-Texas</a:t>
+            </a:r>
+            <a:br>
+              <a:rPr lang="en-US" sz="2800" dirty="0">
+                <a:solidFill>
+                  <a:srgbClr val="FFFFFF"/>
+                </a:solidFill>
+                <a:latin typeface="Montserrat 1"/>
+              </a:rPr>
+            </a:br>
+            <a:r>
+              <a:rPr lang="en-US" sz="2800" dirty="0">
+                <a:solidFill>
+                  <a:srgbClr val="FFFFFF"/>
+                </a:solidFill>
+                <a:latin typeface="Montserrat 1"/>
+              </a:rPr>
+              <a:t>3-Florida</a:t>
+            </a:r>
+            <a:br>
+              <a:rPr lang="en-US" sz="2800" dirty="0">
+                <a:solidFill>
+                  <a:srgbClr val="FFFFFF"/>
+                </a:solidFill>
+                <a:latin typeface="Montserrat 1"/>
+              </a:rPr>
+            </a:br>
+            <a:r>
+              <a:rPr lang="en-US" sz="2800" dirty="0">
+                <a:solidFill>
+                  <a:srgbClr val="FFFFFF"/>
+                </a:solidFill>
+                <a:latin typeface="Montserrat 1"/>
+              </a:rPr>
+              <a:t>4-New York</a:t>
             </a:r>
           </a:p>
         </p:txBody>
@@ -6941,7 +7008,7 @@
         </p:nvSpPr>
         <p:spPr>
           <a:xfrm>
-            <a:off x="10284049" y="3097280"/>
+            <a:off x="10284049" y="2476500"/>
             <a:ext cx="5709672" cy="729752"/>
           </a:xfrm>
           <a:prstGeom prst="rect">
@@ -7210,10 +7277,10 @@
       </p:sp>
       <p:pic>
         <p:nvPicPr>
-          <p:cNvPr id="12" name="Picture 11">
+          <p:cNvPr id="13" name="Picture 12">
             <a:extLst>
               <a:ext uri="{FF2B5EF4-FFF2-40B4-BE49-F238E27FC236}">
-                <a16:creationId xmlns:a16="http://schemas.microsoft.com/office/drawing/2014/main" id="{2F064D62-11B0-E21A-C9E3-D2545B135AFE}"/>
+                <a16:creationId xmlns:a16="http://schemas.microsoft.com/office/drawing/2014/main" id="{51C72032-B220-D560-B958-FEA2A8CBB3AB}"/>
               </a:ext>
             </a:extLst>
           </p:cNvPr>
@@ -7230,8 +7297,8 @@
         </p:blipFill>
         <p:spPr>
           <a:xfrm>
-            <a:off x="0" y="1790700"/>
-            <a:ext cx="9753600" cy="8153400"/>
+            <a:off x="0" y="2324100"/>
+            <a:ext cx="10210606" cy="7930896"/>
           </a:xfrm>
           <a:prstGeom prst="rect">
             <a:avLst/>
@@ -7328,8 +7395,8 @@
         </p:nvSpPr>
         <p:spPr>
           <a:xfrm>
-            <a:off x="10284049" y="3893185"/>
-            <a:ext cx="6863901" cy="1464119"/>
+            <a:off x="10284049" y="2129405"/>
+            <a:ext cx="6863901" cy="2464393"/>
           </a:xfrm>
           <a:prstGeom prst="rect">
             <a:avLst/>
@@ -7354,6 +7421,38 @@
                 <a:latin typeface="Montserrat 1"/>
               </a:rPr>
               <a:t>Species Impact and Cost: What are the most affected animal species, and what are the associated costs?</a:t>
+            </a:r>
+          </a:p>
+          <a:p>
+            <a:pPr algn="just">
+              <a:lnSpc>
+                <a:spcPts val="3920"/>
+              </a:lnSpc>
+            </a:pPr>
+            <a:r>
+              <a:rPr lang="en-US" sz="2800" dirty="0">
+                <a:solidFill>
+                  <a:srgbClr val="FFFFFF"/>
+                </a:solidFill>
+                <a:latin typeface="Montserrat 1"/>
+              </a:rPr>
+              <a:t>1-Most hits from birds but least cost</a:t>
+            </a:r>
+          </a:p>
+          <a:p>
+            <a:pPr algn="just">
+              <a:lnSpc>
+                <a:spcPts val="3920"/>
+              </a:lnSpc>
+            </a:pPr>
+            <a:r>
+              <a:rPr lang="en-US" sz="2800" dirty="0">
+                <a:solidFill>
+                  <a:srgbClr val="FFFFFF"/>
+                </a:solidFill>
+                <a:latin typeface="Montserrat 1"/>
+              </a:rPr>
+              <a:t>2-Most cost from Ducks, geese</a:t>
             </a:r>
           </a:p>
         </p:txBody>
@@ -7440,7 +7539,7 @@
         </p:nvSpPr>
         <p:spPr>
           <a:xfrm>
-            <a:off x="10284049" y="3097280"/>
+            <a:off x="10284049" y="1333500"/>
             <a:ext cx="5709672" cy="729752"/>
           </a:xfrm>
           <a:prstGeom prst="rect">
@@ -7827,8 +7926,8 @@
         </p:nvSpPr>
         <p:spPr>
           <a:xfrm>
-            <a:off x="11195499" y="3893185"/>
-            <a:ext cx="6863901" cy="1464119"/>
+            <a:off x="11195499" y="2358005"/>
+            <a:ext cx="6863901" cy="3964803"/>
           </a:xfrm>
           <a:prstGeom prst="rect">
             <a:avLst/>
@@ -7869,6 +7968,38 @@
                 <a:latin typeface="Montserrat 1"/>
               </a:rPr>
               <a:t>what can we forecast for the future?</a:t>
+            </a:r>
+          </a:p>
+          <a:p>
+            <a:pPr algn="just">
+              <a:lnSpc>
+                <a:spcPts val="3920"/>
+              </a:lnSpc>
+            </a:pPr>
+            <a:r>
+              <a:rPr lang="en-US" sz="2800" dirty="0">
+                <a:solidFill>
+                  <a:srgbClr val="FFFFFF"/>
+                </a:solidFill>
+                <a:latin typeface="Montserrat 1"/>
+              </a:rPr>
+              <a:t>1-Jan 2009 strange high strikes but cost is not very high</a:t>
+            </a:r>
+          </a:p>
+          <a:p>
+            <a:pPr algn="just">
+              <a:lnSpc>
+                <a:spcPts val="3920"/>
+              </a:lnSpc>
+            </a:pPr>
+            <a:r>
+              <a:rPr lang="en-US" sz="2800" dirty="0">
+                <a:solidFill>
+                  <a:srgbClr val="FFFFFF"/>
+                </a:solidFill>
+                <a:latin typeface="Montserrat 1"/>
+              </a:rPr>
+              <a:t>2-forecost say rising trends due to increase number of flights but cost stays linear.</a:t>
             </a:r>
           </a:p>
         </p:txBody>
@@ -7955,7 +8086,7 @@
         </p:nvSpPr>
         <p:spPr>
           <a:xfrm>
-            <a:off x="11195499" y="3097280"/>
+            <a:off x="11195499" y="1562100"/>
             <a:ext cx="5709672" cy="729752"/>
           </a:xfrm>
           <a:prstGeom prst="rect">
@@ -8342,8 +8473,8 @@
         </p:nvSpPr>
         <p:spPr>
           <a:xfrm>
-            <a:off x="10284049" y="3893185"/>
-            <a:ext cx="6863901" cy="2964529"/>
+            <a:off x="10284049" y="1596005"/>
+            <a:ext cx="6863901" cy="4965077"/>
           </a:xfrm>
           <a:prstGeom prst="rect">
             <a:avLst/>
@@ -8368,6 +8499,38 @@
                 <a:latin typeface="Montserrat 1"/>
               </a:rPr>
               <a:t>Incident Frequency by Time: How do wildlife strike incidents vary in frequency at different times of the day?</a:t>
+            </a:r>
+          </a:p>
+          <a:p>
+            <a:pPr algn="just">
+              <a:lnSpc>
+                <a:spcPts val="3920"/>
+              </a:lnSpc>
+            </a:pPr>
+            <a:r>
+              <a:rPr lang="en-US" sz="2800" dirty="0">
+                <a:solidFill>
+                  <a:srgbClr val="FFFFFF"/>
+                </a:solidFill>
+                <a:latin typeface="Montserrat 1"/>
+              </a:rPr>
+              <a:t>1- Day time the terrestrial mammals are at most strikes</a:t>
+            </a:r>
+          </a:p>
+          <a:p>
+            <a:pPr algn="just">
+              <a:lnSpc>
+                <a:spcPts val="3920"/>
+              </a:lnSpc>
+            </a:pPr>
+            <a:r>
+              <a:rPr lang="en-US" sz="2800" dirty="0">
+                <a:solidFill>
+                  <a:srgbClr val="FFFFFF"/>
+                </a:solidFill>
+                <a:latin typeface="Montserrat 1"/>
+              </a:rPr>
+              <a:t>2- Nighttime birds are increased a bit as compared to the day.</a:t>
             </a:r>
           </a:p>
           <a:p>
@@ -8480,7 +8643,7 @@
         </p:nvSpPr>
         <p:spPr>
           <a:xfrm>
-            <a:off x="10284049" y="3097280"/>
+            <a:off x="10284049" y="800100"/>
             <a:ext cx="5709672" cy="729752"/>
           </a:xfrm>
           <a:prstGeom prst="rect">
@@ -8897,8 +9060,8 @@
         </p:nvSpPr>
         <p:spPr>
           <a:xfrm>
-            <a:off x="11195499" y="3893185"/>
-            <a:ext cx="6863901" cy="2964529"/>
+            <a:off x="11195499" y="1748405"/>
+            <a:ext cx="6863901" cy="4464940"/>
           </a:xfrm>
           <a:prstGeom prst="rect">
             <a:avLst/>
@@ -8923,6 +9086,38 @@
                 <a:latin typeface="Montserrat 1"/>
               </a:rPr>
               <a:t>Incident Frequency by Time: How do wildlife strike incidents vary in frequency at different times of the day?</a:t>
+            </a:r>
+          </a:p>
+          <a:p>
+            <a:pPr algn="just">
+              <a:lnSpc>
+                <a:spcPts val="3920"/>
+              </a:lnSpc>
+            </a:pPr>
+            <a:r>
+              <a:rPr lang="en-US" sz="2800" dirty="0">
+                <a:solidFill>
+                  <a:srgbClr val="FFFFFF"/>
+                </a:solidFill>
+                <a:latin typeface="Montserrat 1"/>
+              </a:rPr>
+              <a:t>1- Day time the frequency is high due to animals are awake</a:t>
+            </a:r>
+          </a:p>
+          <a:p>
+            <a:pPr algn="just">
+              <a:lnSpc>
+                <a:spcPts val="3920"/>
+              </a:lnSpc>
+            </a:pPr>
+            <a:r>
+              <a:rPr lang="en-US" sz="2800" dirty="0">
+                <a:solidFill>
+                  <a:srgbClr val="FFFFFF"/>
+                </a:solidFill>
+                <a:latin typeface="Montserrat 1"/>
+              </a:rPr>
+              <a:t>2- least at dawn</a:t>
             </a:r>
           </a:p>
           <a:p>
@@ -9035,7 +9230,7 @@
         </p:nvSpPr>
         <p:spPr>
           <a:xfrm>
-            <a:off x="11195499" y="3097280"/>
+            <a:off x="11195499" y="952500"/>
             <a:ext cx="5709672" cy="729752"/>
           </a:xfrm>
           <a:prstGeom prst="rect">
@@ -9773,12 +9968,50 @@
           </a:p>
         </p:txBody>
       </p:sp>
+      <p:sp>
+        <p:nvSpPr>
+          <p:cNvPr id="8" name="TextBox 8"/>
+          <p:cNvSpPr txBox="1"/>
+          <p:nvPr/>
+        </p:nvSpPr>
+        <p:spPr>
+          <a:xfrm>
+            <a:off x="5736909" y="245425"/>
+            <a:ext cx="5709672" cy="370679"/>
+          </a:xfrm>
+          <a:prstGeom prst="rect">
+            <a:avLst/>
+          </a:prstGeom>
+        </p:spPr>
+        <p:txBody>
+          <a:bodyPr lIns="0" tIns="0" rIns="0" bIns="0" rtlCol="0" anchor="t">
+            <a:spAutoFit/>
+          </a:bodyPr>
+          <a:lstStyle/>
+          <a:p>
+            <a:pPr>
+              <a:lnSpc>
+                <a:spcPts val="2815"/>
+              </a:lnSpc>
+            </a:pPr>
+            <a:r>
+              <a:rPr lang="en-US" sz="3199" dirty="0">
+                <a:solidFill>
+                  <a:srgbClr val="F9B80C"/>
+                </a:solidFill>
+                <a:latin typeface="Montserrat 1 Ultra-Bold"/>
+              </a:rPr>
+              <a:t>Dashboard</a:t>
+            </a:r>
+          </a:p>
+        </p:txBody>
+      </p:sp>
       <p:pic>
         <p:nvPicPr>
-          <p:cNvPr id="14" name="Picture 13">
+          <p:cNvPr id="12" name="Picture 11">
             <a:extLst>
               <a:ext uri="{FF2B5EF4-FFF2-40B4-BE49-F238E27FC236}">
-                <a16:creationId xmlns:a16="http://schemas.microsoft.com/office/drawing/2014/main" id="{937A1A47-A49E-8547-4962-B5000746AE15}"/>
+                <a16:creationId xmlns:a16="http://schemas.microsoft.com/office/drawing/2014/main" id="{AA30758A-5FDC-B49C-9D3F-FC4CCDE0FE63}"/>
               </a:ext>
             </a:extLst>
           </p:cNvPr>
@@ -9795,52 +10028,14 @@
         </p:blipFill>
         <p:spPr>
           <a:xfrm>
-            <a:off x="1242332" y="366651"/>
-            <a:ext cx="15356443" cy="9602540"/>
+            <a:off x="997856" y="616104"/>
+            <a:ext cx="16261444" cy="9678751"/>
           </a:xfrm>
           <a:prstGeom prst="rect">
             <a:avLst/>
           </a:prstGeom>
         </p:spPr>
       </p:pic>
-      <p:sp>
-        <p:nvSpPr>
-          <p:cNvPr id="8" name="TextBox 8"/>
-          <p:cNvSpPr txBox="1"/>
-          <p:nvPr/>
-        </p:nvSpPr>
-        <p:spPr>
-          <a:xfrm>
-            <a:off x="5736909" y="245425"/>
-            <a:ext cx="5709672" cy="370679"/>
-          </a:xfrm>
-          <a:prstGeom prst="rect">
-            <a:avLst/>
-          </a:prstGeom>
-        </p:spPr>
-        <p:txBody>
-          <a:bodyPr lIns="0" tIns="0" rIns="0" bIns="0" rtlCol="0" anchor="t">
-            <a:spAutoFit/>
-          </a:bodyPr>
-          <a:lstStyle/>
-          <a:p>
-            <a:pPr>
-              <a:lnSpc>
-                <a:spcPts val="2815"/>
-              </a:lnSpc>
-            </a:pPr>
-            <a:r>
-              <a:rPr lang="en-US" sz="3199" dirty="0">
-                <a:solidFill>
-                  <a:srgbClr val="F9B80C"/>
-                </a:solidFill>
-                <a:latin typeface="Montserrat 1 Ultra-Bold"/>
-              </a:rPr>
-              <a:t>Dashboard</a:t>
-            </a:r>
-          </a:p>
-        </p:txBody>
-      </p:sp>
     </p:spTree>
     <p:extLst>
       <p:ext uri="{BB962C8B-B14F-4D97-AF65-F5344CB8AC3E}">
